--- a/Python Programming.pptx
+++ b/Python Programming.pptx
@@ -11,7 +11,11 @@
     <p:sldId id="259" r:id="rId5"/>
     <p:sldId id="260" r:id="rId6"/>
     <p:sldId id="261" r:id="rId7"/>
-    <p:sldId id="262" r:id="rId8"/>
+    <p:sldId id="263" r:id="rId8"/>
+    <p:sldId id="266" r:id="rId9"/>
+    <p:sldId id="262" r:id="rId10"/>
+    <p:sldId id="265" r:id="rId11"/>
+    <p:sldId id="264" r:id="rId12"/>
   </p:sldIdLst>
   <p:sldSz cx="12192000" cy="6858000"/>
   <p:notesSz cx="6858000" cy="9144000"/>
@@ -247,7 +251,7 @@
           <a:p>
             <a:fld id="{3A03AF14-CA71-44F9-B122-685A70FC6B63}" type="datetimeFigureOut">
               <a:rPr lang="en-US" smtClean="0"/>
-              <a:t>6/22/2016</a:t>
+              <a:t>6/24/2016</a:t>
             </a:fld>
             <a:endParaRPr lang="en-US"/>
           </a:p>
@@ -415,7 +419,7 @@
           <a:p>
             <a:fld id="{3A03AF14-CA71-44F9-B122-685A70FC6B63}" type="datetimeFigureOut">
               <a:rPr lang="en-US" smtClean="0"/>
-              <a:t>6/22/2016</a:t>
+              <a:t>6/24/2016</a:t>
             </a:fld>
             <a:endParaRPr lang="en-US"/>
           </a:p>
@@ -593,7 +597,7 @@
           <a:p>
             <a:fld id="{3A03AF14-CA71-44F9-B122-685A70FC6B63}" type="datetimeFigureOut">
               <a:rPr lang="en-US" smtClean="0"/>
-              <a:t>6/22/2016</a:t>
+              <a:t>6/24/2016</a:t>
             </a:fld>
             <a:endParaRPr lang="en-US"/>
           </a:p>
@@ -761,7 +765,7 @@
           <a:p>
             <a:fld id="{3A03AF14-CA71-44F9-B122-685A70FC6B63}" type="datetimeFigureOut">
               <a:rPr lang="en-US" smtClean="0"/>
-              <a:t>6/22/2016</a:t>
+              <a:t>6/24/2016</a:t>
             </a:fld>
             <a:endParaRPr lang="en-US"/>
           </a:p>
@@ -1006,7 +1010,7 @@
           <a:p>
             <a:fld id="{3A03AF14-CA71-44F9-B122-685A70FC6B63}" type="datetimeFigureOut">
               <a:rPr lang="en-US" smtClean="0"/>
-              <a:t>6/22/2016</a:t>
+              <a:t>6/24/2016</a:t>
             </a:fld>
             <a:endParaRPr lang="en-US"/>
           </a:p>
@@ -1235,7 +1239,7 @@
           <a:p>
             <a:fld id="{3A03AF14-CA71-44F9-B122-685A70FC6B63}" type="datetimeFigureOut">
               <a:rPr lang="en-US" smtClean="0"/>
-              <a:t>6/22/2016</a:t>
+              <a:t>6/24/2016</a:t>
             </a:fld>
             <a:endParaRPr lang="en-US"/>
           </a:p>
@@ -1599,7 +1603,7 @@
           <a:p>
             <a:fld id="{3A03AF14-CA71-44F9-B122-685A70FC6B63}" type="datetimeFigureOut">
               <a:rPr lang="en-US" smtClean="0"/>
-              <a:t>6/22/2016</a:t>
+              <a:t>6/24/2016</a:t>
             </a:fld>
             <a:endParaRPr lang="en-US"/>
           </a:p>
@@ -1716,7 +1720,7 @@
           <a:p>
             <a:fld id="{3A03AF14-CA71-44F9-B122-685A70FC6B63}" type="datetimeFigureOut">
               <a:rPr lang="en-US" smtClean="0"/>
-              <a:t>6/22/2016</a:t>
+              <a:t>6/24/2016</a:t>
             </a:fld>
             <a:endParaRPr lang="en-US"/>
           </a:p>
@@ -1811,7 +1815,7 @@
           <a:p>
             <a:fld id="{3A03AF14-CA71-44F9-B122-685A70FC6B63}" type="datetimeFigureOut">
               <a:rPr lang="en-US" smtClean="0"/>
-              <a:t>6/22/2016</a:t>
+              <a:t>6/24/2016</a:t>
             </a:fld>
             <a:endParaRPr lang="en-US"/>
           </a:p>
@@ -2086,7 +2090,7 @@
           <a:p>
             <a:fld id="{3A03AF14-CA71-44F9-B122-685A70FC6B63}" type="datetimeFigureOut">
               <a:rPr lang="en-US" smtClean="0"/>
-              <a:t>6/22/2016</a:t>
+              <a:t>6/24/2016</a:t>
             </a:fld>
             <a:endParaRPr lang="en-US"/>
           </a:p>
@@ -2338,7 +2342,7 @@
           <a:p>
             <a:fld id="{3A03AF14-CA71-44F9-B122-685A70FC6B63}" type="datetimeFigureOut">
               <a:rPr lang="en-US" smtClean="0"/>
-              <a:t>6/22/2016</a:t>
+              <a:t>6/24/2016</a:t>
             </a:fld>
             <a:endParaRPr lang="en-US"/>
           </a:p>
@@ -2549,7 +2553,7 @@
           <a:p>
             <a:fld id="{3A03AF14-CA71-44F9-B122-685A70FC6B63}" type="datetimeFigureOut">
               <a:rPr lang="en-US" smtClean="0"/>
-              <a:t>6/22/2016</a:t>
+              <a:t>6/24/2016</a:t>
             </a:fld>
             <a:endParaRPr lang="en-US"/>
           </a:p>
@@ -3035,6 +3039,346 @@
 </p:sld>
 </file>
 
+<file path=ppt/slides/slide10.xml><?xml version="1.0" encoding="utf-8"?>
+<p:sld xmlns:a="http://schemas.openxmlformats.org/drawingml/2006/main" xmlns:r="http://schemas.openxmlformats.org/officeDocument/2006/relationships" xmlns:p="http://schemas.openxmlformats.org/presentationml/2006/main">
+  <p:cSld>
+    <p:spTree>
+      <p:nvGrpSpPr>
+        <p:cNvPr id="1" name=""/>
+        <p:cNvGrpSpPr/>
+        <p:nvPr/>
+      </p:nvGrpSpPr>
+      <p:grpSpPr>
+        <a:xfrm>
+          <a:off x="0" y="0"/>
+          <a:ext cx="0" cy="0"/>
+          <a:chOff x="0" y="0"/>
+          <a:chExt cx="0" cy="0"/>
+        </a:xfrm>
+      </p:grpSpPr>
+      <p:sp>
+        <p:nvSpPr>
+          <p:cNvPr id="2" name="Title 1"/>
+          <p:cNvSpPr>
+            <a:spLocks noGrp="1"/>
+          </p:cNvSpPr>
+          <p:nvPr>
+            <p:ph type="title"/>
+          </p:nvPr>
+        </p:nvSpPr>
+        <p:spPr/>
+        <p:txBody>
+          <a:bodyPr/>
+          <a:lstStyle/>
+          <a:p>
+            <a:r>
+              <a:rPr lang="en-US" dirty="0"/>
+              <a:t>Scientific computations- numpy</a:t>
+            </a:r>
+          </a:p>
+        </p:txBody>
+      </p:sp>
+      <p:sp>
+        <p:nvSpPr>
+          <p:cNvPr id="3" name="Content Placeholder 2"/>
+          <p:cNvSpPr>
+            <a:spLocks noGrp="1"/>
+          </p:cNvSpPr>
+          <p:nvPr>
+            <p:ph idx="1"/>
+          </p:nvPr>
+        </p:nvSpPr>
+        <p:spPr/>
+        <p:txBody>
+          <a:bodyPr/>
+          <a:lstStyle/>
+          <a:p>
+            <a:r>
+              <a:rPr lang="en-US" dirty="0">
+                <a:hlinkClick r:id="rId2"/>
+              </a:rPr>
+              <a:t>https://www.youtube.com/watch?v=u_08lOcwV-A</a:t>
+            </a:r>
+            <a:endParaRPr lang="en-US" dirty="0"/>
+          </a:p>
+          <a:p>
+            <a:r>
+              <a:rPr lang="en-US" b="1" dirty="0" err="1"/>
+              <a:t>NumPy</a:t>
+            </a:r>
+            <a:r>
+              <a:rPr lang="en-US" dirty="0"/>
+              <a:t> (pronounced "Numb Pie" or sometimes "Numb pee"</a:t>
+            </a:r>
+            <a:r>
+              <a:rPr lang="en-US" baseline="30000" dirty="0">
+                <a:hlinkClick r:id="rId3"/>
+              </a:rPr>
+              <a:t>[1]</a:t>
+            </a:r>
+            <a:r>
+              <a:rPr lang="en-US" baseline="30000" dirty="0">
+                <a:hlinkClick r:id="rId4"/>
+              </a:rPr>
+              <a:t>[2]</a:t>
+            </a:r>
+            <a:r>
+              <a:rPr lang="en-US" dirty="0"/>
+              <a:t>) is an extension to the </a:t>
+            </a:r>
+            <a:r>
+              <a:rPr lang="en-US" dirty="0">
+                <a:hlinkClick r:id="rId5" tooltip="Python (programming language)"/>
+              </a:rPr>
+              <a:t>Python programming language</a:t>
+            </a:r>
+            <a:r>
+              <a:rPr lang="en-US" dirty="0"/>
+              <a:t>, adding support for large, multi-dimensional </a:t>
+            </a:r>
+            <a:r>
+              <a:rPr lang="en-US" dirty="0">
+                <a:hlinkClick r:id="rId6" tooltip="Array data structure"/>
+              </a:rPr>
+              <a:t>arrays</a:t>
+            </a:r>
+            <a:r>
+              <a:rPr lang="en-US" dirty="0"/>
+              <a:t> and </a:t>
+            </a:r>
+            <a:r>
+              <a:rPr lang="en-US" dirty="0">
+                <a:hlinkClick r:id="rId7" tooltip="Matrix (math)"/>
+              </a:rPr>
+              <a:t>matrices</a:t>
+            </a:r>
+            <a:r>
+              <a:rPr lang="en-US" dirty="0"/>
+              <a:t>, along with a large library of </a:t>
+            </a:r>
+            <a:r>
+              <a:rPr lang="en-US" dirty="0">
+                <a:hlinkClick r:id="rId8" tooltip="High-level programming language"/>
+              </a:rPr>
+              <a:t>high-level</a:t>
+            </a:r>
+            <a:r>
+              <a:rPr lang="en-US" dirty="0"/>
+              <a:t> </a:t>
+            </a:r>
+            <a:r>
+              <a:rPr lang="en-US" dirty="0">
+                <a:hlinkClick r:id="rId9" tooltip="Mathematics"/>
+              </a:rPr>
+              <a:t>mathematical</a:t>
+            </a:r>
+            <a:r>
+              <a:rPr lang="en-US" dirty="0"/>
+              <a:t> </a:t>
+            </a:r>
+            <a:r>
+              <a:rPr lang="en-US" dirty="0">
+                <a:hlinkClick r:id="rId10" tooltip="Function (mathematics)"/>
+              </a:rPr>
+              <a:t>functions</a:t>
+            </a:r>
+            <a:r>
+              <a:rPr lang="en-US" dirty="0"/>
+              <a:t> to operate on these arrays.</a:t>
+            </a:r>
+          </a:p>
+          <a:p>
+            <a:endParaRPr lang="en-US" dirty="0"/>
+          </a:p>
+          <a:p>
+            <a:endParaRPr lang="en-US" dirty="0"/>
+          </a:p>
+        </p:txBody>
+      </p:sp>
+    </p:spTree>
+    <p:extLst>
+      <p:ext uri="{BB962C8B-B14F-4D97-AF65-F5344CB8AC3E}">
+        <p14:creationId xmlns:p14="http://schemas.microsoft.com/office/powerpoint/2010/main" val="2702552381"/>
+      </p:ext>
+    </p:extLst>
+  </p:cSld>
+  <p:clrMapOvr>
+    <a:masterClrMapping/>
+  </p:clrMapOvr>
+</p:sld>
+</file>
+
+<file path=ppt/slides/slide11.xml><?xml version="1.0" encoding="utf-8"?>
+<p:sld xmlns:a="http://schemas.openxmlformats.org/drawingml/2006/main" xmlns:r="http://schemas.openxmlformats.org/officeDocument/2006/relationships" xmlns:p="http://schemas.openxmlformats.org/presentationml/2006/main">
+  <p:cSld>
+    <p:spTree>
+      <p:nvGrpSpPr>
+        <p:cNvPr id="1" name=""/>
+        <p:cNvGrpSpPr/>
+        <p:nvPr/>
+      </p:nvGrpSpPr>
+      <p:grpSpPr>
+        <a:xfrm>
+          <a:off x="0" y="0"/>
+          <a:ext cx="0" cy="0"/>
+          <a:chOff x="0" y="0"/>
+          <a:chExt cx="0" cy="0"/>
+        </a:xfrm>
+      </p:grpSpPr>
+      <p:sp>
+        <p:nvSpPr>
+          <p:cNvPr id="2" name="Title 1"/>
+          <p:cNvSpPr>
+            <a:spLocks noGrp="1"/>
+          </p:cNvSpPr>
+          <p:nvPr>
+            <p:ph type="title"/>
+          </p:nvPr>
+        </p:nvSpPr>
+        <p:spPr/>
+        <p:txBody>
+          <a:bodyPr/>
+          <a:lstStyle/>
+          <a:p>
+            <a:r>
+              <a:rPr lang="en-US" dirty="0"/>
+              <a:t>Data Analysis &amp; Manipulation- Pandas</a:t>
+            </a:r>
+          </a:p>
+        </p:txBody>
+      </p:sp>
+      <p:sp>
+        <p:nvSpPr>
+          <p:cNvPr id="3" name="Content Placeholder 2"/>
+          <p:cNvSpPr>
+            <a:spLocks noGrp="1"/>
+          </p:cNvSpPr>
+          <p:nvPr>
+            <p:ph idx="1"/>
+          </p:nvPr>
+        </p:nvSpPr>
+        <p:spPr/>
+        <p:txBody>
+          <a:bodyPr>
+            <a:normAutofit lnSpcReduction="10000"/>
+          </a:bodyPr>
+          <a:lstStyle/>
+          <a:p>
+            <a:pPr marL="0" indent="0">
+              <a:buNone/>
+            </a:pPr>
+            <a:r>
+              <a:rPr lang="en-US" dirty="0">
+                <a:hlinkClick r:id="rId2"/>
+              </a:rPr>
+              <a:t>https://www.youtube.com/watch?v=Iqjy9UqKKuo</a:t>
+            </a:r>
+            <a:endParaRPr lang="en-US" dirty="0"/>
+          </a:p>
+          <a:p>
+            <a:pPr marL="0" indent="0">
+              <a:buNone/>
+            </a:pPr>
+            <a:r>
+              <a:rPr lang="en-US" b="1" dirty="0"/>
+              <a:t>Pandas</a:t>
+            </a:r>
+            <a:r>
+              <a:rPr lang="en-US" dirty="0"/>
+              <a:t> is a software library written for the </a:t>
+            </a:r>
+            <a:r>
+              <a:rPr lang="en-US" dirty="0">
+                <a:hlinkClick r:id="rId3" tooltip="Python (programming language)"/>
+              </a:rPr>
+              <a:t>Python</a:t>
+            </a:r>
+            <a:r>
+              <a:rPr lang="en-US" dirty="0"/>
+              <a:t> programming language for data manipulation and analysis. In particular, it offers data structures and operations for manipulating numerical tables </a:t>
+            </a:r>
+            <a:r>
+              <a:rPr lang="en-US" dirty="0" err="1"/>
+              <a:t>and</a:t>
+            </a:r>
+            <a:r>
+              <a:rPr lang="en-US" dirty="0" err="1">
+                <a:hlinkClick r:id="rId4" tooltip="Time series"/>
+              </a:rPr>
+              <a:t>time</a:t>
+            </a:r>
+            <a:r>
+              <a:rPr lang="en-US" dirty="0">
+                <a:hlinkClick r:id="rId4" tooltip="Time series"/>
+              </a:rPr>
+              <a:t> series</a:t>
+            </a:r>
+            <a:r>
+              <a:rPr lang="en-US" dirty="0"/>
+              <a:t>.</a:t>
+            </a:r>
+          </a:p>
+          <a:p>
+            <a:pPr marL="0" indent="0">
+              <a:buNone/>
+            </a:pPr>
+            <a:endParaRPr lang="en-US" dirty="0"/>
+          </a:p>
+          <a:p>
+            <a:pPr marL="0" indent="0">
+              <a:buNone/>
+            </a:pPr>
+            <a:r>
+              <a:rPr lang="en-US" dirty="0"/>
+              <a:t>Data source: </a:t>
+            </a:r>
+            <a:r>
+              <a:rPr lang="en-US" dirty="0">
+                <a:hlinkClick r:id="rId5"/>
+              </a:rPr>
+              <a:t>https://www.quandl.com/</a:t>
+            </a:r>
+            <a:endParaRPr lang="en-US" dirty="0"/>
+          </a:p>
+          <a:p>
+            <a:pPr marL="0" indent="0">
+              <a:buNone/>
+            </a:pPr>
+            <a:endParaRPr lang="en-US" dirty="0"/>
+          </a:p>
+          <a:p>
+            <a:pPr marL="0" indent="0">
+              <a:buNone/>
+            </a:pPr>
+            <a:r>
+              <a:rPr lang="en-US" dirty="0">
+                <a:hlinkClick r:id="rId6"/>
+              </a:rPr>
+              <a:t>https://pythonprogramming.net/data-analysis-python-pandas-tutorial-introduction/</a:t>
+            </a:r>
+            <a:endParaRPr lang="en-US" dirty="0"/>
+          </a:p>
+          <a:p>
+            <a:pPr marL="0" indent="0">
+              <a:buNone/>
+            </a:pPr>
+            <a:endParaRPr lang="en-US" dirty="0"/>
+          </a:p>
+        </p:txBody>
+      </p:sp>
+    </p:spTree>
+    <p:extLst>
+      <p:ext uri="{BB962C8B-B14F-4D97-AF65-F5344CB8AC3E}">
+        <p14:creationId xmlns:p14="http://schemas.microsoft.com/office/powerpoint/2010/main" val="3159975370"/>
+      </p:ext>
+    </p:extLst>
+  </p:cSld>
+  <p:clrMapOvr>
+    <a:masterClrMapping/>
+  </p:clrMapOvr>
+</p:sld>
+</file>
+
 <file path=ppt/slides/slide2.xml><?xml version="1.0" encoding="utf-8"?>
 <p:sld xmlns:a="http://schemas.openxmlformats.org/drawingml/2006/main" xmlns:r="http://schemas.openxmlformats.org/officeDocument/2006/relationships" xmlns:p="http://schemas.openxmlformats.org/presentationml/2006/main">
   <p:cSld>
@@ -3278,6 +3622,15 @@
               <a:t>Dictionary</a:t>
             </a:r>
           </a:p>
+          <a:p>
+            <a:r>
+              <a:rPr lang="en-US" dirty="0">
+                <a:hlinkClick r:id="rId2"/>
+              </a:rPr>
+              <a:t>https://www.youtube.com/watch?v=N4mEzFDjqtA</a:t>
+            </a:r>
+            <a:endParaRPr lang="en-US" dirty="0"/>
+          </a:p>
         </p:txBody>
       </p:sp>
     </p:spTree>
@@ -3350,6 +3703,18 @@
             <a:pPr marL="0" indent="0">
               <a:buNone/>
             </a:pPr>
+            <a:r>
+              <a:rPr lang="en-US" dirty="0">
+                <a:hlinkClick r:id="rId2"/>
+              </a:rPr>
+              <a:t>http://tutorialspoint.com/python/</a:t>
+            </a:r>
+            <a:endParaRPr lang="en-US" dirty="0"/>
+          </a:p>
+          <a:p>
+            <a:pPr marL="0" indent="0">
+              <a:buNone/>
+            </a:pPr>
             <a:endParaRPr lang="en-US" dirty="0"/>
           </a:p>
         </p:txBody>
@@ -3543,7 +3908,176 @@
           <a:p>
             <a:r>
               <a:rPr lang="en-US" dirty="0"/>
-              <a:t>Graph &amp; Charting</a:t>
+              <a:t>Object Oriented</a:t>
+            </a:r>
+          </a:p>
+        </p:txBody>
+      </p:sp>
+      <p:sp>
+        <p:nvSpPr>
+          <p:cNvPr id="3" name="Content Placeholder 2"/>
+          <p:cNvSpPr>
+            <a:spLocks noGrp="1"/>
+          </p:cNvSpPr>
+          <p:nvPr>
+            <p:ph idx="1"/>
+          </p:nvPr>
+        </p:nvSpPr>
+        <p:spPr/>
+        <p:txBody>
+          <a:bodyPr/>
+          <a:lstStyle/>
+          <a:p>
+            <a:r>
+              <a:rPr lang="en-US" dirty="0"/>
+              <a:t>Encapsulation</a:t>
+            </a:r>
+          </a:p>
+          <a:p>
+            <a:r>
+              <a:rPr lang="en-US" dirty="0"/>
+              <a:t>Inheritance</a:t>
+            </a:r>
+          </a:p>
+          <a:p>
+            <a:r>
+              <a:rPr lang="en-US" dirty="0"/>
+              <a:t>Polymorphism</a:t>
+            </a:r>
+          </a:p>
+        </p:txBody>
+      </p:sp>
+    </p:spTree>
+    <p:extLst>
+      <p:ext uri="{BB962C8B-B14F-4D97-AF65-F5344CB8AC3E}">
+        <p14:creationId xmlns:p14="http://schemas.microsoft.com/office/powerpoint/2010/main" val="258397133"/>
+      </p:ext>
+    </p:extLst>
+  </p:cSld>
+  <p:clrMapOvr>
+    <a:masterClrMapping/>
+  </p:clrMapOvr>
+</p:sld>
+</file>
+
+<file path=ppt/slides/slide8.xml><?xml version="1.0" encoding="utf-8"?>
+<p:sld xmlns:a="http://schemas.openxmlformats.org/drawingml/2006/main" xmlns:r="http://schemas.openxmlformats.org/officeDocument/2006/relationships" xmlns:p="http://schemas.openxmlformats.org/presentationml/2006/main">
+  <p:cSld>
+    <p:spTree>
+      <p:nvGrpSpPr>
+        <p:cNvPr id="1" name=""/>
+        <p:cNvGrpSpPr/>
+        <p:nvPr/>
+      </p:nvGrpSpPr>
+      <p:grpSpPr>
+        <a:xfrm>
+          <a:off x="0" y="0"/>
+          <a:ext cx="0" cy="0"/>
+          <a:chOff x="0" y="0"/>
+          <a:chExt cx="0" cy="0"/>
+        </a:xfrm>
+      </p:grpSpPr>
+      <p:sp>
+        <p:nvSpPr>
+          <p:cNvPr id="2" name="Title 1"/>
+          <p:cNvSpPr>
+            <a:spLocks noGrp="1"/>
+          </p:cNvSpPr>
+          <p:nvPr>
+            <p:ph type="title"/>
+          </p:nvPr>
+        </p:nvSpPr>
+        <p:spPr/>
+        <p:txBody>
+          <a:bodyPr/>
+          <a:lstStyle/>
+          <a:p>
+            <a:r>
+              <a:rPr lang="en-US" dirty="0"/>
+              <a:t>Anaconda</a:t>
+            </a:r>
+          </a:p>
+        </p:txBody>
+      </p:sp>
+      <p:sp>
+        <p:nvSpPr>
+          <p:cNvPr id="3" name="Content Placeholder 2"/>
+          <p:cNvSpPr>
+            <a:spLocks noGrp="1"/>
+          </p:cNvSpPr>
+          <p:nvPr>
+            <p:ph idx="1"/>
+          </p:nvPr>
+        </p:nvSpPr>
+        <p:spPr/>
+        <p:txBody>
+          <a:bodyPr/>
+          <a:lstStyle/>
+          <a:p>
+            <a:r>
+              <a:rPr lang="en-US" dirty="0"/>
+              <a:t>Anaconda is a scientific/data analysis distribution for Python and a bunch of popular data modules</a:t>
+            </a:r>
+          </a:p>
+          <a:p>
+            <a:endParaRPr lang="en-US" dirty="0"/>
+          </a:p>
+          <a:p>
+            <a:r>
+              <a:rPr lang="en-US" dirty="0"/>
+              <a:t>Either this or plain python vanilla with pip install &lt;packages&gt;</a:t>
+            </a:r>
+          </a:p>
+        </p:txBody>
+      </p:sp>
+    </p:spTree>
+    <p:extLst>
+      <p:ext uri="{BB962C8B-B14F-4D97-AF65-F5344CB8AC3E}">
+        <p14:creationId xmlns:p14="http://schemas.microsoft.com/office/powerpoint/2010/main" val="3793432882"/>
+      </p:ext>
+    </p:extLst>
+  </p:cSld>
+  <p:clrMapOvr>
+    <a:masterClrMapping/>
+  </p:clrMapOvr>
+</p:sld>
+</file>
+
+<file path=ppt/slides/slide9.xml><?xml version="1.0" encoding="utf-8"?>
+<p:sld xmlns:a="http://schemas.openxmlformats.org/drawingml/2006/main" xmlns:r="http://schemas.openxmlformats.org/officeDocument/2006/relationships" xmlns:p="http://schemas.openxmlformats.org/presentationml/2006/main">
+  <p:cSld>
+    <p:spTree>
+      <p:nvGrpSpPr>
+        <p:cNvPr id="1" name=""/>
+        <p:cNvGrpSpPr/>
+        <p:nvPr/>
+      </p:nvGrpSpPr>
+      <p:grpSpPr>
+        <a:xfrm>
+          <a:off x="0" y="0"/>
+          <a:ext cx="0" cy="0"/>
+          <a:chOff x="0" y="0"/>
+          <a:chExt cx="0" cy="0"/>
+        </a:xfrm>
+      </p:grpSpPr>
+      <p:sp>
+        <p:nvSpPr>
+          <p:cNvPr id="2" name="Title 1"/>
+          <p:cNvSpPr>
+            <a:spLocks noGrp="1"/>
+          </p:cNvSpPr>
+          <p:nvPr>
+            <p:ph type="title"/>
+          </p:nvPr>
+        </p:nvSpPr>
+        <p:spPr/>
+        <p:txBody>
+          <a:bodyPr/>
+          <a:lstStyle/>
+          <a:p>
+            <a:r>
+              <a:rPr lang="en-US" dirty="0"/>
+              <a:t>Data visualization- Matplotlib</a:t>
             </a:r>
           </a:p>
         </p:txBody>
@@ -3573,10 +4107,123 @@
           </a:p>
           <a:p>
             <a:r>
+              <a:rPr lang="en-US" b="1" dirty="0" err="1"/>
+              <a:t>matplotlib</a:t>
+            </a:r>
+            <a:r>
+              <a:rPr lang="en-US" dirty="0"/>
+              <a:t> is a </a:t>
+            </a:r>
+            <a:r>
               <a:rPr lang="en-US" dirty="0">
-                <a:hlinkClick r:id="rId3"/>
+                <a:hlinkClick r:id="rId3" tooltip="Plotter"/>
               </a:rPr>
-              <a:t>http://www.ast.uct.ac.za/~sarblyth/pythonGuide/PythonPlottingBeginnersGuide.pdf</a:t>
+              <a:t>plotting</a:t>
+            </a:r>
+            <a:r>
+              <a:rPr lang="en-US" dirty="0"/>
+              <a:t> </a:t>
+            </a:r>
+            <a:r>
+              <a:rPr lang="en-US" dirty="0">
+                <a:hlinkClick r:id="rId4" tooltip="Library (computer science)"/>
+              </a:rPr>
+              <a:t>library</a:t>
+            </a:r>
+            <a:r>
+              <a:rPr lang="en-US" dirty="0"/>
+              <a:t> for the </a:t>
+            </a:r>
+            <a:r>
+              <a:rPr lang="en-US" dirty="0">
+                <a:hlinkClick r:id="rId5" tooltip="Python (programming language)"/>
+              </a:rPr>
+              <a:t>Python</a:t>
+            </a:r>
+            <a:r>
+              <a:rPr lang="en-US" dirty="0"/>
+              <a:t> programming language and its numerical mathematics extension </a:t>
+            </a:r>
+            <a:r>
+              <a:rPr lang="en-US" dirty="0" err="1">
+                <a:hlinkClick r:id="rId6" tooltip="NumPy"/>
+              </a:rPr>
+              <a:t>NumPy</a:t>
+            </a:r>
+            <a:r>
+              <a:rPr lang="en-US" dirty="0"/>
+              <a:t>. It provides an </a:t>
+            </a:r>
+            <a:r>
+              <a:rPr lang="en-US" dirty="0">
+                <a:hlinkClick r:id="rId7" tooltip="Object-oriented programming"/>
+              </a:rPr>
+              <a:t>object-oriented</a:t>
+            </a:r>
+            <a:r>
+              <a:rPr lang="en-US" dirty="0"/>
+              <a:t> </a:t>
+            </a:r>
+            <a:r>
+              <a:rPr lang="en-US" dirty="0">
+                <a:hlinkClick r:id="rId8" tooltip="API"/>
+              </a:rPr>
+              <a:t>API</a:t>
+            </a:r>
+            <a:r>
+              <a:rPr lang="en-US" dirty="0"/>
+              <a:t> for embedding plots into applications using general-purpose </a:t>
+            </a:r>
+            <a:r>
+              <a:rPr lang="en-US" dirty="0">
+                <a:hlinkClick r:id="rId9" tooltip="GUI toolkit"/>
+              </a:rPr>
+              <a:t>GUI toolkits</a:t>
+            </a:r>
+            <a:r>
+              <a:rPr lang="en-US" dirty="0"/>
+              <a:t> like </a:t>
+            </a:r>
+            <a:r>
+              <a:rPr lang="en-US" dirty="0" err="1">
+                <a:hlinkClick r:id="rId10" tooltip="WxPython"/>
+              </a:rPr>
+              <a:t>wxPython</a:t>
+            </a:r>
+            <a:r>
+              <a:rPr lang="en-US" dirty="0"/>
+              <a:t>, </a:t>
+            </a:r>
+            <a:r>
+              <a:rPr lang="en-US" dirty="0" err="1">
+                <a:hlinkClick r:id="rId11" tooltip="Qt (software)"/>
+              </a:rPr>
+              <a:t>Qt</a:t>
+            </a:r>
+            <a:r>
+              <a:rPr lang="en-US" dirty="0"/>
+              <a:t>, or </a:t>
+            </a:r>
+            <a:r>
+              <a:rPr lang="en-US" dirty="0">
+                <a:hlinkClick r:id="rId12" tooltip="GTK+"/>
+              </a:rPr>
+              <a:t>GTK+</a:t>
+            </a:r>
+            <a:r>
+              <a:rPr lang="en-US" dirty="0"/>
+              <a:t>.</a:t>
+            </a:r>
+          </a:p>
+          <a:p>
+            <a:endParaRPr lang="en-US" dirty="0"/>
+          </a:p>
+          <a:p>
+            <a:r>
+              <a:rPr lang="en-US" dirty="0">
+                <a:hlinkClick r:id="rId13"/>
+              </a:rPr>
+              <a:t>https://pythonprogramming.net/matplotlib-intro-tutorial/</a:t>
             </a:r>
             <a:endParaRPr lang="en-US" dirty="0"/>
           </a:p>
